--- a/reports/Natural Gas Drivers-Presentation-3.pptx
+++ b/reports/Natural Gas Drivers-Presentation-3.pptx
@@ -5703,7 +5703,7 @@
                             </p:stCondLst>
                             <p:childTnLst>
                               <p:par>
-                                <p:cTn id="5" presetID="1" presetClass="entr" presetSubtype="0" fill="hold" grpId="0" nodeType="clickEffect">
+                                <p:cTn id="5" presetID="1" presetClass="entr" presetSubtype="0" fill="hold" nodeType="clickEffect">
                                   <p:stCondLst>
                                     <p:cond delay="0"/>
                                   </p:stCondLst>
@@ -5716,7 +5716,7 @@
                                           </p:stCondLst>
                                         </p:cTn>
                                         <p:tgtEl>
-                                          <p:spTgt spid="9"/>
+                                          <p:spTgt spid="15"/>
                                         </p:tgtEl>
                                         <p:attrNameLst>
                                           <p:attrName>style.visibility</p:attrName>
@@ -5748,7 +5748,7 @@
                             </p:stCondLst>
                             <p:childTnLst>
                               <p:par>
-                                <p:cTn id="9" presetID="1" presetClass="entr" presetSubtype="0" fill="hold" nodeType="clickEffect">
+                                <p:cTn id="9" presetID="1" presetClass="entr" presetSubtype="0" fill="hold" grpId="0" nodeType="clickEffect">
                                   <p:stCondLst>
                                     <p:cond delay="0"/>
                                   </p:stCondLst>
@@ -5761,7 +5761,7 @@
                                           </p:stCondLst>
                                         </p:cTn>
                                         <p:tgtEl>
-                                          <p:spTgt spid="15"/>
+                                          <p:spTgt spid="9"/>
                                         </p:tgtEl>
                                         <p:attrNameLst>
                                           <p:attrName>style.visibility</p:attrName>
@@ -7210,8 +7210,8 @@
           <a:chExt cx="0" cy="0"/>
         </a:xfrm>
       </p:grpSpPr>
-      <mc:AlternateContent xmlns:mc="http://schemas.openxmlformats.org/markup-compatibility/2006">
-        <mc:Choice xmlns:a14="http://schemas.microsoft.com/office/drawing/2010/main" Requires="a14">
+      <mc:AlternateContent xmlns:mc="http://schemas.openxmlformats.org/markup-compatibility/2006" xmlns:a14="http://schemas.microsoft.com/office/drawing/2010/main">
+        <mc:Choice Requires="a14">
           <p:sp>
             <p:nvSpPr>
               <p:cNvPr id="2" name="TextBox 1">
@@ -7488,7 +7488,7 @@
             </p:txBody>
           </p:sp>
         </mc:Choice>
-        <mc:Fallback>
+        <mc:Fallback xmlns="">
           <p:sp>
             <p:nvSpPr>
               <p:cNvPr id="2" name="TextBox 1">
@@ -7603,8 +7603,8 @@
           </a:p>
         </p:txBody>
       </p:sp>
-      <mc:AlternateContent xmlns:mc="http://schemas.openxmlformats.org/markup-compatibility/2006">
-        <mc:Choice xmlns:a14="http://schemas.microsoft.com/office/drawing/2010/main" Requires="a14">
+      <mc:AlternateContent xmlns:mc="http://schemas.openxmlformats.org/markup-compatibility/2006" xmlns:a14="http://schemas.microsoft.com/office/drawing/2010/main">
+        <mc:Choice Requires="a14">
           <p:sp>
             <p:nvSpPr>
               <p:cNvPr id="6" name="Rectangle 5">
@@ -7964,7 +7964,7 @@
             </p:txBody>
           </p:sp>
         </mc:Choice>
-        <mc:Fallback>
+        <mc:Fallback xmlns="">
           <p:sp>
             <p:nvSpPr>
               <p:cNvPr id="6" name="Rectangle 5">
@@ -8044,8 +8044,8 @@
           </a:p>
         </p:txBody>
       </p:sp>
-      <mc:AlternateContent xmlns:mc="http://schemas.openxmlformats.org/markup-compatibility/2006">
-        <mc:Choice xmlns:a14="http://schemas.microsoft.com/office/drawing/2010/main" Requires="a14">
+      <mc:AlternateContent xmlns:mc="http://schemas.openxmlformats.org/markup-compatibility/2006" xmlns:a14="http://schemas.microsoft.com/office/drawing/2010/main">
+        <mc:Choice Requires="a14">
           <p:sp>
             <p:nvSpPr>
               <p:cNvPr id="8" name="Rectangle 7">
@@ -8584,7 +8584,7 @@
             </p:txBody>
           </p:sp>
         </mc:Choice>
-        <mc:Fallback>
+        <mc:Fallback xmlns="">
           <p:sp>
             <p:nvSpPr>
               <p:cNvPr id="8" name="Rectangle 7">
@@ -8664,8 +8664,8 @@
           </a:p>
         </p:txBody>
       </p:sp>
-      <mc:AlternateContent xmlns:mc="http://schemas.openxmlformats.org/markup-compatibility/2006">
-        <mc:Choice xmlns:a14="http://schemas.microsoft.com/office/drawing/2010/main" Requires="a14">
+      <mc:AlternateContent xmlns:mc="http://schemas.openxmlformats.org/markup-compatibility/2006" xmlns:a14="http://schemas.microsoft.com/office/drawing/2010/main">
+        <mc:Choice Requires="a14">
           <p:sp>
             <p:nvSpPr>
               <p:cNvPr id="11" name="Rectangle 10">
@@ -8786,7 +8786,7 @@
             </p:txBody>
           </p:sp>
         </mc:Choice>
-        <mc:Fallback>
+        <mc:Fallback xmlns="">
           <p:sp>
             <p:nvSpPr>
               <p:cNvPr id="11" name="Rectangle 10">
@@ -10536,7 +10536,7 @@
             </a:pPr>
             <a:r>
               <a:rPr lang="en-US" dirty="0"/>
-              <a:t>How does natural gas price relates to demand and supply drivers?</a:t>
+              <a:t>How does natural gas price relate to demand and supply drivers?</a:t>
             </a:r>
           </a:p>
           <a:p>
@@ -10743,7 +10743,7 @@
             <p:ph idx="1"/>
             <p:extLst>
               <p:ext uri="{D42A27DB-BD31-4B8C-83A1-F6EECF244321}">
-                <p14:modId xmlns:p14="http://schemas.microsoft.com/office/powerpoint/2010/main" val="2038506187"/>
+                <p14:modId xmlns:p14="http://schemas.microsoft.com/office/powerpoint/2010/main" val="1832088058"/>
               </p:ext>
             </p:extLst>
           </p:nvPr>
@@ -10780,14 +10780,14 @@
                     </a:ext>
                   </a:extLst>
                 </a:gridCol>
-                <a:gridCol w="1306025">
+                <a:gridCol w="1435711">
                   <a:extLst>
                     <a:ext uri="{9D8B030D-6E8A-4147-A177-3AD203B41FA5}">
                       <a16:colId xmlns:a16="http://schemas.microsoft.com/office/drawing/2014/main" val="3491629248"/>
                     </a:ext>
                   </a:extLst>
                 </a:gridCol>
-                <a:gridCol w="1470057">
+                <a:gridCol w="1340371">
                   <a:extLst>
                     <a:ext uri="{9D8B030D-6E8A-4147-A177-3AD203B41FA5}">
                       <a16:colId xmlns:a16="http://schemas.microsoft.com/office/drawing/2014/main" val="1584934660"/>
@@ -12464,7 +12464,7 @@
                     <a:p>
                       <a:r>
                         <a:rPr lang="en-US" sz="1200" dirty="0"/>
-                        <a:t>Conversion into Pandas </a:t>
+                        <a:t>Conversion into pandas </a:t>
                       </a:r>
                       <a:r>
                         <a:rPr lang="en-US" sz="1200" dirty="0" err="1"/>
@@ -12960,7 +12960,7 @@
                       <a:pPr algn="ctr"/>
                       <a:r>
                         <a:rPr lang="en-US" sz="1200" dirty="0"/>
-                        <a:t>Superposed on Google map to determine county per state </a:t>
+                        <a:t>Superimposed on Google map to determine county per state </a:t>
                       </a:r>
                     </a:p>
                   </a:txBody>
@@ -13115,6 +13115,36 @@
           </a:prstGeom>
         </p:spPr>
       </p:pic>
+      <p:pic>
+        <p:nvPicPr>
+          <p:cNvPr id="3" name="Picture 2">
+            <a:extLst>
+              <a:ext uri="{FF2B5EF4-FFF2-40B4-BE49-F238E27FC236}">
+                <a16:creationId xmlns:a16="http://schemas.microsoft.com/office/drawing/2014/main" id="{E5483CA0-EB26-EE4F-95C8-FE99E8AB8A4A}"/>
+              </a:ext>
+            </a:extLst>
+          </p:cNvPr>
+          <p:cNvPicPr>
+            <a:picLocks noChangeAspect="1"/>
+          </p:cNvPicPr>
+          <p:nvPr/>
+        </p:nvPicPr>
+        <p:blipFill>
+          <a:blip r:embed="rId3"/>
+          <a:stretch>
+            <a:fillRect/>
+          </a:stretch>
+        </p:blipFill>
+        <p:spPr>
+          <a:xfrm>
+            <a:off x="508000" y="1653989"/>
+            <a:ext cx="8128000" cy="4572000"/>
+          </a:xfrm>
+          <a:prstGeom prst="rect">
+            <a:avLst/>
+          </a:prstGeom>
+        </p:spPr>
+      </p:pic>
     </p:spTree>
     <p:extLst>
       <p:ext uri="{BB962C8B-B14F-4D97-AF65-F5344CB8AC3E}">
@@ -13125,6 +13155,81 @@
   <p:clrMapOvr>
     <a:masterClrMapping/>
   </p:clrMapOvr>
+  <p:timing>
+    <p:tnLst>
+      <p:par>
+        <p:cTn id="1" dur="indefinite" restart="never" nodeType="tmRoot">
+          <p:childTnLst>
+            <p:seq concurrent="1" nextAc="seek">
+              <p:cTn id="2" dur="indefinite" nodeType="mainSeq">
+                <p:childTnLst>
+                  <p:par>
+                    <p:cTn id="3" fill="hold">
+                      <p:stCondLst>
+                        <p:cond delay="indefinite"/>
+                      </p:stCondLst>
+                      <p:childTnLst>
+                        <p:par>
+                          <p:cTn id="4" fill="hold">
+                            <p:stCondLst>
+                              <p:cond delay="0"/>
+                            </p:stCondLst>
+                            <p:childTnLst>
+                              <p:par>
+                                <p:cTn id="5" presetID="1" presetClass="exit" presetSubtype="0" fill="hold" nodeType="clickEffect">
+                                  <p:stCondLst>
+                                    <p:cond delay="0"/>
+                                  </p:stCondLst>
+                                  <p:childTnLst>
+                                    <p:set>
+                                      <p:cBhvr>
+                                        <p:cTn id="6" dur="1" fill="hold">
+                                          <p:stCondLst>
+                                            <p:cond delay="0"/>
+                                          </p:stCondLst>
+                                        </p:cTn>
+                                        <p:tgtEl>
+                                          <p:spTgt spid="3"/>
+                                        </p:tgtEl>
+                                        <p:attrNameLst>
+                                          <p:attrName>style.visibility</p:attrName>
+                                        </p:attrNameLst>
+                                      </p:cBhvr>
+                                      <p:to>
+                                        <p:strVal val="hidden"/>
+                                      </p:to>
+                                    </p:set>
+                                  </p:childTnLst>
+                                </p:cTn>
+                              </p:par>
+                            </p:childTnLst>
+                          </p:cTn>
+                        </p:par>
+                      </p:childTnLst>
+                    </p:cTn>
+                  </p:par>
+                </p:childTnLst>
+              </p:cTn>
+              <p:prevCondLst>
+                <p:cond evt="onPrev" delay="0">
+                  <p:tgtEl>
+                    <p:sldTgt/>
+                  </p:tgtEl>
+                </p:cond>
+              </p:prevCondLst>
+              <p:nextCondLst>
+                <p:cond evt="onNext" delay="0">
+                  <p:tgtEl>
+                    <p:sldTgt/>
+                  </p:tgtEl>
+                </p:cond>
+              </p:nextCondLst>
+            </p:seq>
+          </p:childTnLst>
+        </p:cTn>
+      </p:par>
+    </p:tnLst>
+  </p:timing>
 </p:sld>
 </file>
 

--- a/reports/Natural Gas Drivers-Presentation-3.pptx
+++ b/reports/Natural Gas Drivers-Presentation-3.pptx
@@ -13087,10 +13087,10 @@
       </p:sp>
       <p:pic>
         <p:nvPicPr>
-          <p:cNvPr id="4" name="Picture 3">
+          <p:cNvPr id="5" name="Picture 4">
             <a:extLst>
               <a:ext uri="{FF2B5EF4-FFF2-40B4-BE49-F238E27FC236}">
-                <a16:creationId xmlns:a16="http://schemas.microsoft.com/office/drawing/2014/main" id="{2432594A-AEEB-E04F-BA63-E3CB755DFBDC}"/>
+                <a16:creationId xmlns:a16="http://schemas.microsoft.com/office/drawing/2014/main" id="{100B2F52-883D-AC45-AF70-DAA69143059A}"/>
               </a:ext>
             </a:extLst>
           </p:cNvPr>
@@ -13107,37 +13107,7 @@
         </p:blipFill>
         <p:spPr>
           <a:xfrm>
-            <a:off x="508000" y="1653989"/>
-            <a:ext cx="8128000" cy="4572000"/>
-          </a:xfrm>
-          <a:prstGeom prst="rect">
-            <a:avLst/>
-          </a:prstGeom>
-        </p:spPr>
-      </p:pic>
-      <p:pic>
-        <p:nvPicPr>
-          <p:cNvPr id="3" name="Picture 2">
-            <a:extLst>
-              <a:ext uri="{FF2B5EF4-FFF2-40B4-BE49-F238E27FC236}">
-                <a16:creationId xmlns:a16="http://schemas.microsoft.com/office/drawing/2014/main" id="{E5483CA0-EB26-EE4F-95C8-FE99E8AB8A4A}"/>
-              </a:ext>
-            </a:extLst>
-          </p:cNvPr>
-          <p:cNvPicPr>
-            <a:picLocks noChangeAspect="1"/>
-          </p:cNvPicPr>
-          <p:nvPr/>
-        </p:nvPicPr>
-        <p:blipFill>
-          <a:blip r:embed="rId3"/>
-          <a:stretch>
-            <a:fillRect/>
-          </a:stretch>
-        </p:blipFill>
-        <p:spPr>
-          <a:xfrm>
-            <a:off x="508000" y="1653989"/>
+            <a:off x="508000" y="1640541"/>
             <a:ext cx="8128000" cy="4572000"/>
           </a:xfrm>
           <a:prstGeom prst="rect">
@@ -13155,81 +13125,6 @@
   <p:clrMapOvr>
     <a:masterClrMapping/>
   </p:clrMapOvr>
-  <p:timing>
-    <p:tnLst>
-      <p:par>
-        <p:cTn id="1" dur="indefinite" restart="never" nodeType="tmRoot">
-          <p:childTnLst>
-            <p:seq concurrent="1" nextAc="seek">
-              <p:cTn id="2" dur="indefinite" nodeType="mainSeq">
-                <p:childTnLst>
-                  <p:par>
-                    <p:cTn id="3" fill="hold">
-                      <p:stCondLst>
-                        <p:cond delay="indefinite"/>
-                      </p:stCondLst>
-                      <p:childTnLst>
-                        <p:par>
-                          <p:cTn id="4" fill="hold">
-                            <p:stCondLst>
-                              <p:cond delay="0"/>
-                            </p:stCondLst>
-                            <p:childTnLst>
-                              <p:par>
-                                <p:cTn id="5" presetID="1" presetClass="exit" presetSubtype="0" fill="hold" nodeType="clickEffect">
-                                  <p:stCondLst>
-                                    <p:cond delay="0"/>
-                                  </p:stCondLst>
-                                  <p:childTnLst>
-                                    <p:set>
-                                      <p:cBhvr>
-                                        <p:cTn id="6" dur="1" fill="hold">
-                                          <p:stCondLst>
-                                            <p:cond delay="0"/>
-                                          </p:stCondLst>
-                                        </p:cTn>
-                                        <p:tgtEl>
-                                          <p:spTgt spid="3"/>
-                                        </p:tgtEl>
-                                        <p:attrNameLst>
-                                          <p:attrName>style.visibility</p:attrName>
-                                        </p:attrNameLst>
-                                      </p:cBhvr>
-                                      <p:to>
-                                        <p:strVal val="hidden"/>
-                                      </p:to>
-                                    </p:set>
-                                  </p:childTnLst>
-                                </p:cTn>
-                              </p:par>
-                            </p:childTnLst>
-                          </p:cTn>
-                        </p:par>
-                      </p:childTnLst>
-                    </p:cTn>
-                  </p:par>
-                </p:childTnLst>
-              </p:cTn>
-              <p:prevCondLst>
-                <p:cond evt="onPrev" delay="0">
-                  <p:tgtEl>
-                    <p:sldTgt/>
-                  </p:tgtEl>
-                </p:cond>
-              </p:prevCondLst>
-              <p:nextCondLst>
-                <p:cond evt="onNext" delay="0">
-                  <p:tgtEl>
-                    <p:sldTgt/>
-                  </p:tgtEl>
-                </p:cond>
-              </p:nextCondLst>
-            </p:seq>
-          </p:childTnLst>
-        </p:cTn>
-      </p:par>
-    </p:tnLst>
-  </p:timing>
 </p:sld>
 </file>
 

--- a/reports/Natural Gas Drivers-Presentation-3.pptx
+++ b/reports/Natural Gas Drivers-Presentation-3.pptx
@@ -224,7 +224,7 @@
           <a:p>
             <a:fld id="{AA048C74-2B3A-8042-9CA0-7D81F9423ADE}" type="datetimeFigureOut">
               <a:rPr lang="en-US" smtClean="0"/>
-              <a:t>3/30/19</a:t>
+              <a:t>3/30/2019</a:t>
             </a:fld>
             <a:endParaRPr lang="en-US"/>
           </a:p>
@@ -994,7 +994,7 @@
           <a:p>
             <a:fld id="{79E65B6B-F923-FA44-AC53-4486F9BF469E}" type="datetimeFigureOut">
               <a:rPr lang="en-US" smtClean="0"/>
-              <a:t>3/30/19</a:t>
+              <a:t>3/30/2019</a:t>
             </a:fld>
             <a:endParaRPr lang="en-US"/>
           </a:p>
@@ -1176,7 +1176,7 @@
           <a:p>
             <a:fld id="{79E65B6B-F923-FA44-AC53-4486F9BF469E}" type="datetimeFigureOut">
               <a:rPr lang="en-US" smtClean="0"/>
-              <a:t>3/30/19</a:t>
+              <a:t>3/30/2019</a:t>
             </a:fld>
             <a:endParaRPr lang="en-US"/>
           </a:p>
@@ -1360,7 +1360,7 @@
           <a:p>
             <a:fld id="{79E65B6B-F923-FA44-AC53-4486F9BF469E}" type="datetimeFigureOut">
               <a:rPr lang="en-US" smtClean="0"/>
-              <a:t>3/30/19</a:t>
+              <a:t>3/30/2019</a:t>
             </a:fld>
             <a:endParaRPr lang="en-US"/>
           </a:p>
@@ -1530,7 +1530,7 @@
           <a:p>
             <a:fld id="{79E65B6B-F923-FA44-AC53-4486F9BF469E}" type="datetimeFigureOut">
               <a:rPr lang="en-US" smtClean="0"/>
-              <a:t>3/30/19</a:t>
+              <a:t>3/30/2019</a:t>
             </a:fld>
             <a:endParaRPr lang="en-US"/>
           </a:p>
@@ -1863,7 +1863,7 @@
           <a:p>
             <a:fld id="{79E65B6B-F923-FA44-AC53-4486F9BF469E}" type="datetimeFigureOut">
               <a:rPr lang="en-US" smtClean="0"/>
-              <a:t>3/30/19</a:t>
+              <a:t>3/30/2019</a:t>
             </a:fld>
             <a:endParaRPr lang="en-US"/>
           </a:p>
@@ -2335,7 +2335,7 @@
           <a:p>
             <a:fld id="{79E65B6B-F923-FA44-AC53-4486F9BF469E}" type="datetimeFigureOut">
               <a:rPr lang="en-US" smtClean="0"/>
-              <a:t>3/30/19</a:t>
+              <a:t>3/30/2019</a:t>
             </a:fld>
             <a:endParaRPr lang="en-US"/>
           </a:p>
@@ -2746,7 +2746,7 @@
           <a:p>
             <a:fld id="{79E65B6B-F923-FA44-AC53-4486F9BF469E}" type="datetimeFigureOut">
               <a:rPr lang="en-US" smtClean="0"/>
-              <a:t>3/30/19</a:t>
+              <a:t>3/30/2019</a:t>
             </a:fld>
             <a:endParaRPr lang="en-US"/>
           </a:p>
@@ -2874,7 +2874,7 @@
           <a:p>
             <a:fld id="{79E65B6B-F923-FA44-AC53-4486F9BF469E}" type="datetimeFigureOut">
               <a:rPr lang="en-US" smtClean="0"/>
-              <a:t>3/30/19</a:t>
+              <a:t>3/30/2019</a:t>
             </a:fld>
             <a:endParaRPr lang="en-US"/>
           </a:p>
@@ -3001,7 +3001,7 @@
           <a:p>
             <a:fld id="{79E65B6B-F923-FA44-AC53-4486F9BF469E}" type="datetimeFigureOut">
               <a:rPr lang="en-US" smtClean="0"/>
-              <a:t>3/30/19</a:t>
+              <a:t>3/30/2019</a:t>
             </a:fld>
             <a:endParaRPr lang="en-US"/>
           </a:p>
@@ -3524,7 +3524,7 @@
           <a:p>
             <a:fld id="{79E65B6B-F923-FA44-AC53-4486F9BF469E}" type="datetimeFigureOut">
               <a:rPr lang="en-US" smtClean="0"/>
-              <a:t>3/30/19</a:t>
+              <a:t>3/30/2019</a:t>
             </a:fld>
             <a:endParaRPr lang="en-US"/>
           </a:p>
@@ -4033,7 +4033,7 @@
           <a:p>
             <a:fld id="{79E65B6B-F923-FA44-AC53-4486F9BF469E}" type="datetimeFigureOut">
               <a:rPr lang="en-US" smtClean="0"/>
-              <a:t>3/30/19</a:t>
+              <a:t>3/30/2019</a:t>
             </a:fld>
             <a:endParaRPr lang="en-US"/>
           </a:p>
@@ -4392,7 +4392,7 @@
           <a:p>
             <a:fld id="{79E65B6B-F923-FA44-AC53-4486F9BF469E}" type="datetimeFigureOut">
               <a:rPr lang="en-US" smtClean="0"/>
-              <a:t>3/30/19</a:t>
+              <a:t>3/30/2019</a:t>
             </a:fld>
             <a:endParaRPr lang="en-US"/>
           </a:p>
